--- a/CeTI/b2_filtrage/B1_2_filtrage.pptx
+++ b/CeTI/b2_filtrage/B1_2_filtrage.pptx
@@ -5,7 +5,7 @@
     <p:sldMasterId id="2147483711" r:id="rId1"/>
   </p:sldMasterIdLst>
   <p:notesMasterIdLst>
-    <p:notesMasterId r:id="rId10"/>
+    <p:notesMasterId r:id="rId15"/>
   </p:notesMasterIdLst>
   <p:sldIdLst>
     <p:sldId id="256" r:id="rId2"/>
@@ -14,8 +14,13 @@
     <p:sldId id="274" r:id="rId5"/>
     <p:sldId id="275" r:id="rId6"/>
     <p:sldId id="276" r:id="rId7"/>
-    <p:sldId id="277" r:id="rId8"/>
-    <p:sldId id="278" r:id="rId9"/>
+    <p:sldId id="279" r:id="rId8"/>
+    <p:sldId id="280" r:id="rId9"/>
+    <p:sldId id="281" r:id="rId10"/>
+    <p:sldId id="277" r:id="rId11"/>
+    <p:sldId id="278" r:id="rId12"/>
+    <p:sldId id="282" r:id="rId13"/>
+    <p:sldId id="283" r:id="rId14"/>
   </p:sldIdLst>
   <p:sldSz cx="12192000" cy="6858000"/>
   <p:notesSz cx="6858000" cy="9144000"/>
@@ -215,7 +220,7 @@
           <a:p>
             <a:fld id="{729C724E-499D-43AC-8699-CF969D2466FC}" type="datetimeFigureOut">
               <a:rPr lang="fr-FR" smtClean="0"/>
-              <a:t>20/07/2023</a:t>
+              <a:t>06/10/2023</a:t>
             </a:fld>
             <a:endParaRPr lang="fr-FR"/>
           </a:p>
@@ -566,6 +571,174 @@
 </p:notes>
 </file>
 
+<file path=ppt/notesSlides/notesSlide2.xml><?xml version="1.0" encoding="utf-8"?>
+<p:notes xmlns:a="http://schemas.openxmlformats.org/drawingml/2006/main" xmlns:r="http://schemas.openxmlformats.org/officeDocument/2006/relationships" xmlns:p="http://schemas.openxmlformats.org/presentationml/2006/main">
+  <p:cSld>
+    <p:spTree>
+      <p:nvGrpSpPr>
+        <p:cNvPr id="1" name=""/>
+        <p:cNvGrpSpPr/>
+        <p:nvPr/>
+      </p:nvGrpSpPr>
+      <p:grpSpPr>
+        <a:xfrm>
+          <a:off x="0" y="0"/>
+          <a:ext cx="0" cy="0"/>
+          <a:chOff x="0" y="0"/>
+          <a:chExt cx="0" cy="0"/>
+        </a:xfrm>
+      </p:grpSpPr>
+      <p:sp>
+        <p:nvSpPr>
+          <p:cNvPr id="2" name="Espace réservé de l'image des diapositives 1"/>
+          <p:cNvSpPr>
+            <a:spLocks noGrp="1" noRot="1" noChangeAspect="1"/>
+          </p:cNvSpPr>
+          <p:nvPr>
+            <p:ph type="sldImg"/>
+          </p:nvPr>
+        </p:nvSpPr>
+        <p:spPr/>
+      </p:sp>
+      <p:sp>
+        <p:nvSpPr>
+          <p:cNvPr id="3" name="Espace réservé des notes 2"/>
+          <p:cNvSpPr>
+            <a:spLocks noGrp="1"/>
+          </p:cNvSpPr>
+          <p:nvPr>
+            <p:ph type="body" idx="1"/>
+          </p:nvPr>
+        </p:nvSpPr>
+        <p:spPr/>
+        <p:txBody>
+          <a:bodyPr/>
+          <a:lstStyle/>
+          <a:p>
+            <a:endParaRPr lang="fr-FR" dirty="0"/>
+          </a:p>
+        </p:txBody>
+      </p:sp>
+      <p:sp>
+        <p:nvSpPr>
+          <p:cNvPr id="4" name="Espace réservé du numéro de diapositive 3"/>
+          <p:cNvSpPr>
+            <a:spLocks noGrp="1"/>
+          </p:cNvSpPr>
+          <p:nvPr>
+            <p:ph type="sldNum" sz="quarter" idx="5"/>
+          </p:nvPr>
+        </p:nvSpPr>
+        <p:spPr/>
+        <p:txBody>
+          <a:bodyPr/>
+          <a:lstStyle/>
+          <a:p>
+            <a:fld id="{6BDC53D4-8BF5-4FDD-81EC-7AC957B0D210}" type="slidenum">
+              <a:rPr lang="fr-FR" smtClean="0"/>
+              <a:t>12</a:t>
+            </a:fld>
+            <a:endParaRPr lang="fr-FR"/>
+          </a:p>
+        </p:txBody>
+      </p:sp>
+    </p:spTree>
+    <p:extLst>
+      <p:ext uri="{BB962C8B-B14F-4D97-AF65-F5344CB8AC3E}">
+        <p14:creationId xmlns:p14="http://schemas.microsoft.com/office/powerpoint/2010/main" val="1860638035"/>
+      </p:ext>
+    </p:extLst>
+  </p:cSld>
+  <p:clrMapOvr>
+    <a:masterClrMapping/>
+  </p:clrMapOvr>
+</p:notes>
+</file>
+
+<file path=ppt/notesSlides/notesSlide3.xml><?xml version="1.0" encoding="utf-8"?>
+<p:notes xmlns:a="http://schemas.openxmlformats.org/drawingml/2006/main" xmlns:r="http://schemas.openxmlformats.org/officeDocument/2006/relationships" xmlns:p="http://schemas.openxmlformats.org/presentationml/2006/main">
+  <p:cSld>
+    <p:spTree>
+      <p:nvGrpSpPr>
+        <p:cNvPr id="1" name=""/>
+        <p:cNvGrpSpPr/>
+        <p:nvPr/>
+      </p:nvGrpSpPr>
+      <p:grpSpPr>
+        <a:xfrm>
+          <a:off x="0" y="0"/>
+          <a:ext cx="0" cy="0"/>
+          <a:chOff x="0" y="0"/>
+          <a:chExt cx="0" cy="0"/>
+        </a:xfrm>
+      </p:grpSpPr>
+      <p:sp>
+        <p:nvSpPr>
+          <p:cNvPr id="2" name="Espace réservé de l'image des diapositives 1"/>
+          <p:cNvSpPr>
+            <a:spLocks noGrp="1" noRot="1" noChangeAspect="1"/>
+          </p:cNvSpPr>
+          <p:nvPr>
+            <p:ph type="sldImg"/>
+          </p:nvPr>
+        </p:nvSpPr>
+        <p:spPr/>
+      </p:sp>
+      <p:sp>
+        <p:nvSpPr>
+          <p:cNvPr id="3" name="Espace réservé des notes 2"/>
+          <p:cNvSpPr>
+            <a:spLocks noGrp="1"/>
+          </p:cNvSpPr>
+          <p:nvPr>
+            <p:ph type="body" idx="1"/>
+          </p:nvPr>
+        </p:nvSpPr>
+        <p:spPr/>
+        <p:txBody>
+          <a:bodyPr/>
+          <a:lstStyle/>
+          <a:p>
+            <a:endParaRPr lang="fr-FR" dirty="0"/>
+          </a:p>
+        </p:txBody>
+      </p:sp>
+      <p:sp>
+        <p:nvSpPr>
+          <p:cNvPr id="4" name="Espace réservé du numéro de diapositive 3"/>
+          <p:cNvSpPr>
+            <a:spLocks noGrp="1"/>
+          </p:cNvSpPr>
+          <p:nvPr>
+            <p:ph type="sldNum" sz="quarter" idx="5"/>
+          </p:nvPr>
+        </p:nvSpPr>
+        <p:spPr/>
+        <p:txBody>
+          <a:bodyPr/>
+          <a:lstStyle/>
+          <a:p>
+            <a:fld id="{6BDC53D4-8BF5-4FDD-81EC-7AC957B0D210}" type="slidenum">
+              <a:rPr lang="fr-FR" smtClean="0"/>
+              <a:t>13</a:t>
+            </a:fld>
+            <a:endParaRPr lang="fr-FR"/>
+          </a:p>
+        </p:txBody>
+      </p:sp>
+    </p:spTree>
+    <p:extLst>
+      <p:ext uri="{BB962C8B-B14F-4D97-AF65-F5344CB8AC3E}">
+        <p14:creationId xmlns:p14="http://schemas.microsoft.com/office/powerpoint/2010/main" val="3786587707"/>
+      </p:ext>
+    </p:extLst>
+  </p:cSld>
+  <p:clrMapOvr>
+    <a:masterClrMapping/>
+  </p:clrMapOvr>
+</p:notes>
+</file>
+
 <file path=ppt/slideLayouts/slideLayout1.xml><?xml version="1.0" encoding="utf-8"?>
 <p:sldLayout xmlns:a="http://schemas.openxmlformats.org/drawingml/2006/main" xmlns:r="http://schemas.openxmlformats.org/officeDocument/2006/relationships" xmlns:p="http://schemas.openxmlformats.org/presentationml/2006/main" type="title" preserve="1">
   <p:cSld name="Title Slide">
@@ -722,7 +895,7 @@
           <a:p>
             <a:fld id="{02AC24A9-CCB6-4F8D-B8DB-C2F3692CFA5A}" type="datetimeFigureOut">
               <a:rPr lang="en-US" smtClean="0"/>
-              <a:t>7/20/2023</a:t>
+              <a:t>10/6/2023</a:t>
             </a:fld>
             <a:endParaRPr lang="en-US" dirty="0"/>
           </a:p>
@@ -1092,7 +1265,7 @@
           <a:p>
             <a:fld id="{02AC24A9-CCB6-4F8D-B8DB-C2F3692CFA5A}" type="datetimeFigureOut">
               <a:rPr lang="en-US" smtClean="0"/>
-              <a:t>7/20/2023</a:t>
+              <a:t>10/6/2023</a:t>
             </a:fld>
             <a:endParaRPr lang="en-US"/>
           </a:p>
@@ -1301,7 +1474,7 @@
           <a:p>
             <a:fld id="{02AC24A9-CCB6-4F8D-B8DB-C2F3692CFA5A}" type="datetimeFigureOut">
               <a:rPr lang="en-US" smtClean="0"/>
-              <a:t>7/20/2023</a:t>
+              <a:t>10/6/2023</a:t>
             </a:fld>
             <a:endParaRPr lang="en-US"/>
           </a:p>
@@ -1771,7 +1944,7 @@
           <a:p>
             <a:fld id="{02AC24A9-CCB6-4F8D-B8DB-C2F3692CFA5A}" type="datetimeFigureOut">
               <a:rPr lang="en-US" smtClean="0"/>
-              <a:t>7/20/2023</a:t>
+              <a:t>10/6/2023</a:t>
             </a:fld>
             <a:endParaRPr lang="en-US"/>
           </a:p>
@@ -2225,7 +2398,7 @@
           <a:p>
             <a:fld id="{02AC24A9-CCB6-4F8D-B8DB-C2F3692CFA5A}" type="datetimeFigureOut">
               <a:rPr lang="en-US" smtClean="0"/>
-              <a:t>7/20/2023</a:t>
+              <a:t>10/6/2023</a:t>
             </a:fld>
             <a:endParaRPr lang="en-US"/>
           </a:p>
@@ -2757,7 +2930,7 @@
           <a:p>
             <a:fld id="{02AC24A9-CCB6-4F8D-B8DB-C2F3692CFA5A}" type="datetimeFigureOut">
               <a:rPr lang="en-US" smtClean="0"/>
-              <a:t>7/20/2023</a:t>
+              <a:t>10/6/2023</a:t>
             </a:fld>
             <a:endParaRPr lang="en-US"/>
           </a:p>
@@ -3456,7 +3629,7 @@
           <a:p>
             <a:fld id="{02AC24A9-CCB6-4F8D-B8DB-C2F3692CFA5A}" type="datetimeFigureOut">
               <a:rPr lang="en-US" smtClean="0"/>
-              <a:t>7/20/2023</a:t>
+              <a:t>10/6/2023</a:t>
             </a:fld>
             <a:endParaRPr lang="en-US"/>
           </a:p>
@@ -3785,7 +3958,7 @@
           <a:p>
             <a:fld id="{02AC24A9-CCB6-4F8D-B8DB-C2F3692CFA5A}" type="datetimeFigureOut">
               <a:rPr lang="en-US" smtClean="0"/>
-              <a:t>7/20/2023</a:t>
+              <a:t>10/6/2023</a:t>
             </a:fld>
             <a:endParaRPr lang="en-US"/>
           </a:p>
@@ -3898,7 +4071,7 @@
           <a:p>
             <a:fld id="{02AC24A9-CCB6-4F8D-B8DB-C2F3692CFA5A}" type="datetimeFigureOut">
               <a:rPr lang="en-US" smtClean="0"/>
-              <a:t>7/20/2023</a:t>
+              <a:t>10/6/2023</a:t>
             </a:fld>
             <a:endParaRPr lang="en-US"/>
           </a:p>
@@ -4393,7 +4566,7 @@
           <a:p>
             <a:fld id="{02AC24A9-CCB6-4F8D-B8DB-C2F3692CFA5A}" type="datetimeFigureOut">
               <a:rPr lang="en-US" smtClean="0"/>
-              <a:t>7/20/2023</a:t>
+              <a:t>10/6/2023</a:t>
             </a:fld>
             <a:endParaRPr lang="en-US" dirty="0"/>
           </a:p>
@@ -4870,7 +5043,7 @@
           <a:p>
             <a:fld id="{02AC24A9-CCB6-4F8D-B8DB-C2F3692CFA5A}" type="datetimeFigureOut">
               <a:rPr lang="en-US" smtClean="0"/>
-              <a:t>7/20/2023</a:t>
+              <a:t>10/6/2023</a:t>
             </a:fld>
             <a:endParaRPr lang="en-US"/>
           </a:p>
@@ -5113,7 +5286,7 @@
           <a:p>
             <a:fld id="{02AC24A9-CCB6-4F8D-B8DB-C2F3692CFA5A}" type="datetimeFigureOut">
               <a:rPr lang="en-US" smtClean="0"/>
-              <a:t>7/20/2023</a:t>
+              <a:t>10/6/2023</a:t>
             </a:fld>
             <a:endParaRPr lang="en-US"/>
           </a:p>
@@ -6033,6 +6206,629 @@
 </p:sld>
 </file>
 
+<file path=ppt/slides/slide10.xml><?xml version="1.0" encoding="utf-8"?>
+<p:sld xmlns:a="http://schemas.openxmlformats.org/drawingml/2006/main" xmlns:r="http://schemas.openxmlformats.org/officeDocument/2006/relationships" xmlns:p="http://schemas.openxmlformats.org/presentationml/2006/main">
+  <p:cSld>
+    <p:spTree>
+      <p:nvGrpSpPr>
+        <p:cNvPr id="1" name=""/>
+        <p:cNvGrpSpPr/>
+        <p:nvPr/>
+      </p:nvGrpSpPr>
+      <p:grpSpPr>
+        <a:xfrm>
+          <a:off x="0" y="0"/>
+          <a:ext cx="0" cy="0"/>
+          <a:chOff x="0" y="0"/>
+          <a:chExt cx="0" cy="0"/>
+        </a:xfrm>
+      </p:grpSpPr>
+      <p:sp>
+        <p:nvSpPr>
+          <p:cNvPr id="2" name="Titre 1">
+            <a:extLst>
+              <a:ext uri="{FF2B5EF4-FFF2-40B4-BE49-F238E27FC236}">
+                <a16:creationId xmlns:a16="http://schemas.microsoft.com/office/drawing/2014/main" id="{90162AE8-C1B0-5C56-8313-DEE494F38273}"/>
+              </a:ext>
+            </a:extLst>
+          </p:cNvPr>
+          <p:cNvSpPr>
+            <a:spLocks noGrp="1"/>
+          </p:cNvSpPr>
+          <p:nvPr>
+            <p:ph type="title"/>
+          </p:nvPr>
+        </p:nvSpPr>
+        <p:spPr/>
+        <p:txBody>
+          <a:bodyPr/>
+          <a:lstStyle/>
+          <a:p>
+            <a:r>
+              <a:rPr lang="fr-FR" dirty="0"/>
+              <a:t>M3 – Filtrage à capacité commutée</a:t>
+            </a:r>
+          </a:p>
+        </p:txBody>
+      </p:sp>
+      <p:pic>
+        <p:nvPicPr>
+          <p:cNvPr id="5" name="Image 4" descr="Une image contenant texte&#10;&#10;Description générée automatiquement">
+            <a:extLst>
+              <a:ext uri="{FF2B5EF4-FFF2-40B4-BE49-F238E27FC236}">
+                <a16:creationId xmlns:a16="http://schemas.microsoft.com/office/drawing/2014/main" id="{204ADC40-1D61-539F-22ED-6B21D67FBDE6}"/>
+              </a:ext>
+            </a:extLst>
+          </p:cNvPr>
+          <p:cNvPicPr>
+            <a:picLocks noChangeAspect="1"/>
+          </p:cNvPicPr>
+          <p:nvPr/>
+        </p:nvPicPr>
+        <p:blipFill>
+          <a:blip r:embed="rId2" cstate="print">
+            <a:extLst>
+              <a:ext uri="{28A0092B-C50C-407E-A947-70E740481C1C}">
+                <a14:useLocalDpi xmlns:a14="http://schemas.microsoft.com/office/drawing/2010/main" val="0"/>
+              </a:ext>
+            </a:extLst>
+          </a:blip>
+          <a:stretch>
+            <a:fillRect/>
+          </a:stretch>
+        </p:blipFill>
+        <p:spPr>
+          <a:xfrm>
+            <a:off x="202922" y="5934456"/>
+            <a:ext cx="1825291" cy="749808"/>
+          </a:xfrm>
+          <a:prstGeom prst="rect">
+            <a:avLst/>
+          </a:prstGeom>
+        </p:spPr>
+      </p:pic>
+      <p:sp>
+        <p:nvSpPr>
+          <p:cNvPr id="7" name="Espace réservé du contenu 6">
+            <a:extLst>
+              <a:ext uri="{FF2B5EF4-FFF2-40B4-BE49-F238E27FC236}">
+                <a16:creationId xmlns:a16="http://schemas.microsoft.com/office/drawing/2014/main" id="{74BC1505-3936-808A-3CEC-841FD2413D6F}"/>
+              </a:ext>
+            </a:extLst>
+          </p:cNvPr>
+          <p:cNvSpPr>
+            <a:spLocks noGrp="1"/>
+          </p:cNvSpPr>
+          <p:nvPr>
+            <p:ph sz="half" idx="1"/>
+          </p:nvPr>
+        </p:nvSpPr>
+        <p:spPr/>
+        <p:txBody>
+          <a:bodyPr/>
+          <a:lstStyle/>
+          <a:p>
+            <a:r>
+              <a:rPr lang="fr-FR" dirty="0"/>
+              <a:t>Capacité commutée</a:t>
+            </a:r>
+          </a:p>
+        </p:txBody>
+      </p:sp>
+      <p:pic>
+        <p:nvPicPr>
+          <p:cNvPr id="4" name="Image 3">
+            <a:extLst>
+              <a:ext uri="{FF2B5EF4-FFF2-40B4-BE49-F238E27FC236}">
+                <a16:creationId xmlns:a16="http://schemas.microsoft.com/office/drawing/2014/main" id="{8020C9EA-0CA6-82F5-467F-873773B6F815}"/>
+              </a:ext>
+            </a:extLst>
+          </p:cNvPr>
+          <p:cNvPicPr>
+            <a:picLocks noChangeAspect="1"/>
+          </p:cNvPicPr>
+          <p:nvPr/>
+        </p:nvPicPr>
+        <p:blipFill>
+          <a:blip r:embed="rId3"/>
+          <a:stretch>
+            <a:fillRect/>
+          </a:stretch>
+        </p:blipFill>
+        <p:spPr>
+          <a:xfrm>
+            <a:off x="3224219" y="3429000"/>
+            <a:ext cx="8477628" cy="3127418"/>
+          </a:xfrm>
+          <a:prstGeom prst="rect">
+            <a:avLst/>
+          </a:prstGeom>
+        </p:spPr>
+      </p:pic>
+    </p:spTree>
+    <p:extLst>
+      <p:ext uri="{BB962C8B-B14F-4D97-AF65-F5344CB8AC3E}">
+        <p14:creationId xmlns:p14="http://schemas.microsoft.com/office/powerpoint/2010/main" val="1685859223"/>
+      </p:ext>
+    </p:extLst>
+  </p:cSld>
+  <p:clrMapOvr>
+    <a:masterClrMapping/>
+  </p:clrMapOvr>
+</p:sld>
+</file>
+
+<file path=ppt/slides/slide11.xml><?xml version="1.0" encoding="utf-8"?>
+<p:sld xmlns:a="http://schemas.openxmlformats.org/drawingml/2006/main" xmlns:r="http://schemas.openxmlformats.org/officeDocument/2006/relationships" xmlns:p="http://schemas.openxmlformats.org/presentationml/2006/main">
+  <p:cSld>
+    <p:spTree>
+      <p:nvGrpSpPr>
+        <p:cNvPr id="1" name=""/>
+        <p:cNvGrpSpPr/>
+        <p:nvPr/>
+      </p:nvGrpSpPr>
+      <p:grpSpPr>
+        <a:xfrm>
+          <a:off x="0" y="0"/>
+          <a:ext cx="0" cy="0"/>
+          <a:chOff x="0" y="0"/>
+          <a:chExt cx="0" cy="0"/>
+        </a:xfrm>
+      </p:grpSpPr>
+      <p:sp>
+        <p:nvSpPr>
+          <p:cNvPr id="2" name="Titre 1">
+            <a:extLst>
+              <a:ext uri="{FF2B5EF4-FFF2-40B4-BE49-F238E27FC236}">
+                <a16:creationId xmlns:a16="http://schemas.microsoft.com/office/drawing/2014/main" id="{90162AE8-C1B0-5C56-8313-DEE494F38273}"/>
+              </a:ext>
+            </a:extLst>
+          </p:cNvPr>
+          <p:cNvSpPr>
+            <a:spLocks noGrp="1"/>
+          </p:cNvSpPr>
+          <p:nvPr>
+            <p:ph type="title"/>
+          </p:nvPr>
+        </p:nvSpPr>
+        <p:spPr/>
+        <p:txBody>
+          <a:bodyPr/>
+          <a:lstStyle/>
+          <a:p>
+            <a:r>
+              <a:rPr lang="fr-FR" dirty="0"/>
+              <a:t>M3 – Filtrage à capacité commutée</a:t>
+            </a:r>
+          </a:p>
+        </p:txBody>
+      </p:sp>
+      <p:pic>
+        <p:nvPicPr>
+          <p:cNvPr id="5" name="Image 4" descr="Une image contenant texte&#10;&#10;Description générée automatiquement">
+            <a:extLst>
+              <a:ext uri="{FF2B5EF4-FFF2-40B4-BE49-F238E27FC236}">
+                <a16:creationId xmlns:a16="http://schemas.microsoft.com/office/drawing/2014/main" id="{204ADC40-1D61-539F-22ED-6B21D67FBDE6}"/>
+              </a:ext>
+            </a:extLst>
+          </p:cNvPr>
+          <p:cNvPicPr>
+            <a:picLocks noChangeAspect="1"/>
+          </p:cNvPicPr>
+          <p:nvPr/>
+        </p:nvPicPr>
+        <p:blipFill>
+          <a:blip r:embed="rId2" cstate="print">
+            <a:extLst>
+              <a:ext uri="{28A0092B-C50C-407E-A947-70E740481C1C}">
+                <a14:useLocalDpi xmlns:a14="http://schemas.microsoft.com/office/drawing/2010/main" val="0"/>
+              </a:ext>
+            </a:extLst>
+          </a:blip>
+          <a:stretch>
+            <a:fillRect/>
+          </a:stretch>
+        </p:blipFill>
+        <p:spPr>
+          <a:xfrm>
+            <a:off x="202922" y="5934456"/>
+            <a:ext cx="1825291" cy="749808"/>
+          </a:xfrm>
+          <a:prstGeom prst="rect">
+            <a:avLst/>
+          </a:prstGeom>
+        </p:spPr>
+      </p:pic>
+      <p:sp>
+        <p:nvSpPr>
+          <p:cNvPr id="7" name="Espace réservé du contenu 6">
+            <a:extLst>
+              <a:ext uri="{FF2B5EF4-FFF2-40B4-BE49-F238E27FC236}">
+                <a16:creationId xmlns:a16="http://schemas.microsoft.com/office/drawing/2014/main" id="{74BC1505-3936-808A-3CEC-841FD2413D6F}"/>
+              </a:ext>
+            </a:extLst>
+          </p:cNvPr>
+          <p:cNvSpPr>
+            <a:spLocks noGrp="1"/>
+          </p:cNvSpPr>
+          <p:nvPr>
+            <p:ph sz="half" idx="1"/>
+          </p:nvPr>
+        </p:nvSpPr>
+        <p:spPr>
+          <a:xfrm>
+            <a:off x="1115567" y="2478024"/>
+            <a:ext cx="6791303" cy="3694176"/>
+          </a:xfrm>
+        </p:spPr>
+        <p:txBody>
+          <a:bodyPr/>
+          <a:lstStyle/>
+          <a:p>
+            <a:r>
+              <a:rPr lang="fr-FR" dirty="0"/>
+              <a:t>Intégrateur à capacité commutée</a:t>
+            </a:r>
+          </a:p>
+        </p:txBody>
+      </p:sp>
+      <p:pic>
+        <p:nvPicPr>
+          <p:cNvPr id="6" name="Image 5">
+            <a:extLst>
+              <a:ext uri="{FF2B5EF4-FFF2-40B4-BE49-F238E27FC236}">
+                <a16:creationId xmlns:a16="http://schemas.microsoft.com/office/drawing/2014/main" id="{0903FA4F-78A9-983F-B053-6700677CB870}"/>
+              </a:ext>
+            </a:extLst>
+          </p:cNvPr>
+          <p:cNvPicPr>
+            <a:picLocks noChangeAspect="1"/>
+          </p:cNvPicPr>
+          <p:nvPr/>
+        </p:nvPicPr>
+        <p:blipFill>
+          <a:blip r:embed="rId3"/>
+          <a:stretch>
+            <a:fillRect/>
+          </a:stretch>
+        </p:blipFill>
+        <p:spPr>
+          <a:xfrm>
+            <a:off x="4203765" y="3750089"/>
+            <a:ext cx="6346236" cy="2401672"/>
+          </a:xfrm>
+          <a:prstGeom prst="rect">
+            <a:avLst/>
+          </a:prstGeom>
+        </p:spPr>
+      </p:pic>
+    </p:spTree>
+    <p:extLst>
+      <p:ext uri="{BB962C8B-B14F-4D97-AF65-F5344CB8AC3E}">
+        <p14:creationId xmlns:p14="http://schemas.microsoft.com/office/powerpoint/2010/main" val="4039742525"/>
+      </p:ext>
+    </p:extLst>
+  </p:cSld>
+  <p:clrMapOvr>
+    <a:masterClrMapping/>
+  </p:clrMapOvr>
+</p:sld>
+</file>
+
+<file path=ppt/slides/slide12.xml><?xml version="1.0" encoding="utf-8"?>
+<p:sld xmlns:a="http://schemas.openxmlformats.org/drawingml/2006/main" xmlns:r="http://schemas.openxmlformats.org/officeDocument/2006/relationships" xmlns:p="http://schemas.openxmlformats.org/presentationml/2006/main">
+  <p:cSld>
+    <p:spTree>
+      <p:nvGrpSpPr>
+        <p:cNvPr id="1" name=""/>
+        <p:cNvGrpSpPr/>
+        <p:nvPr/>
+      </p:nvGrpSpPr>
+      <p:grpSpPr>
+        <a:xfrm>
+          <a:off x="0" y="0"/>
+          <a:ext cx="0" cy="0"/>
+          <a:chOff x="0" y="0"/>
+          <a:chExt cx="0" cy="0"/>
+        </a:xfrm>
+      </p:grpSpPr>
+      <p:sp>
+        <p:nvSpPr>
+          <p:cNvPr id="2" name="Titre 1">
+            <a:extLst>
+              <a:ext uri="{FF2B5EF4-FFF2-40B4-BE49-F238E27FC236}">
+                <a16:creationId xmlns:a16="http://schemas.microsoft.com/office/drawing/2014/main" id="{90162AE8-C1B0-5C56-8313-DEE494F38273}"/>
+              </a:ext>
+            </a:extLst>
+          </p:cNvPr>
+          <p:cNvSpPr>
+            <a:spLocks noGrp="1"/>
+          </p:cNvSpPr>
+          <p:nvPr>
+            <p:ph type="title"/>
+          </p:nvPr>
+        </p:nvSpPr>
+        <p:spPr/>
+        <p:txBody>
+          <a:bodyPr/>
+          <a:lstStyle/>
+          <a:p>
+            <a:r>
+              <a:rPr lang="fr-FR" dirty="0"/>
+              <a:t>M3 – Filtrage à capacité commutée</a:t>
+            </a:r>
+          </a:p>
+        </p:txBody>
+      </p:sp>
+      <p:pic>
+        <p:nvPicPr>
+          <p:cNvPr id="5" name="Image 4" descr="Une image contenant texte&#10;&#10;Description générée automatiquement">
+            <a:extLst>
+              <a:ext uri="{FF2B5EF4-FFF2-40B4-BE49-F238E27FC236}">
+                <a16:creationId xmlns:a16="http://schemas.microsoft.com/office/drawing/2014/main" id="{204ADC40-1D61-539F-22ED-6B21D67FBDE6}"/>
+              </a:ext>
+            </a:extLst>
+          </p:cNvPr>
+          <p:cNvPicPr>
+            <a:picLocks noChangeAspect="1"/>
+          </p:cNvPicPr>
+          <p:nvPr/>
+        </p:nvPicPr>
+        <p:blipFill>
+          <a:blip r:embed="rId3" cstate="print">
+            <a:extLst>
+              <a:ext uri="{28A0092B-C50C-407E-A947-70E740481C1C}">
+                <a14:useLocalDpi xmlns:a14="http://schemas.microsoft.com/office/drawing/2010/main" val="0"/>
+              </a:ext>
+            </a:extLst>
+          </a:blip>
+          <a:stretch>
+            <a:fillRect/>
+          </a:stretch>
+        </p:blipFill>
+        <p:spPr>
+          <a:xfrm>
+            <a:off x="202922" y="5934456"/>
+            <a:ext cx="1825291" cy="749808"/>
+          </a:xfrm>
+          <a:prstGeom prst="rect">
+            <a:avLst/>
+          </a:prstGeom>
+        </p:spPr>
+      </p:pic>
+      <p:sp>
+        <p:nvSpPr>
+          <p:cNvPr id="7" name="Espace réservé du contenu 6">
+            <a:extLst>
+              <a:ext uri="{FF2B5EF4-FFF2-40B4-BE49-F238E27FC236}">
+                <a16:creationId xmlns:a16="http://schemas.microsoft.com/office/drawing/2014/main" id="{74BC1505-3936-808A-3CEC-841FD2413D6F}"/>
+              </a:ext>
+            </a:extLst>
+          </p:cNvPr>
+          <p:cNvSpPr>
+            <a:spLocks noGrp="1"/>
+          </p:cNvSpPr>
+          <p:nvPr>
+            <p:ph sz="half" idx="1"/>
+          </p:nvPr>
+        </p:nvSpPr>
+        <p:spPr>
+          <a:xfrm>
+            <a:off x="1115567" y="2478024"/>
+            <a:ext cx="6791303" cy="3694176"/>
+          </a:xfrm>
+        </p:spPr>
+        <p:txBody>
+          <a:bodyPr/>
+          <a:lstStyle/>
+          <a:p>
+            <a:r>
+              <a:rPr lang="fr-FR" dirty="0"/>
+              <a:t>MAX296</a:t>
+            </a:r>
+          </a:p>
+        </p:txBody>
+      </p:sp>
+      <p:pic>
+        <p:nvPicPr>
+          <p:cNvPr id="9" name="Image 8">
+            <a:extLst>
+              <a:ext uri="{FF2B5EF4-FFF2-40B4-BE49-F238E27FC236}">
+                <a16:creationId xmlns:a16="http://schemas.microsoft.com/office/drawing/2014/main" id="{067A3903-C442-B72D-EAF8-25737F42A868}"/>
+              </a:ext>
+            </a:extLst>
+          </p:cNvPr>
+          <p:cNvPicPr>
+            <a:picLocks noChangeAspect="1"/>
+          </p:cNvPicPr>
+          <p:nvPr/>
+        </p:nvPicPr>
+        <p:blipFill>
+          <a:blip r:embed="rId4"/>
+          <a:stretch>
+            <a:fillRect/>
+          </a:stretch>
+        </p:blipFill>
+        <p:spPr>
+          <a:xfrm>
+            <a:off x="5816185" y="2251533"/>
+            <a:ext cx="5692436" cy="4176699"/>
+          </a:xfrm>
+          <a:prstGeom prst="rect">
+            <a:avLst/>
+          </a:prstGeom>
+        </p:spPr>
+      </p:pic>
+      <p:pic>
+        <p:nvPicPr>
+          <p:cNvPr id="11" name="Image 10">
+            <a:extLst>
+              <a:ext uri="{FF2B5EF4-FFF2-40B4-BE49-F238E27FC236}">
+                <a16:creationId xmlns:a16="http://schemas.microsoft.com/office/drawing/2014/main" id="{5DC6AC1B-CEAB-C6E1-4C51-D82283DB5ADB}"/>
+              </a:ext>
+            </a:extLst>
+          </p:cNvPr>
+          <p:cNvPicPr>
+            <a:picLocks noChangeAspect="1"/>
+          </p:cNvPicPr>
+          <p:nvPr/>
+        </p:nvPicPr>
+        <p:blipFill>
+          <a:blip r:embed="rId5"/>
+          <a:stretch>
+            <a:fillRect/>
+          </a:stretch>
+        </p:blipFill>
+        <p:spPr>
+          <a:xfrm>
+            <a:off x="683379" y="3278035"/>
+            <a:ext cx="4867275" cy="2543175"/>
+          </a:xfrm>
+          <a:prstGeom prst="rect">
+            <a:avLst/>
+          </a:prstGeom>
+        </p:spPr>
+      </p:pic>
+    </p:spTree>
+    <p:extLst>
+      <p:ext uri="{BB962C8B-B14F-4D97-AF65-F5344CB8AC3E}">
+        <p14:creationId xmlns:p14="http://schemas.microsoft.com/office/powerpoint/2010/main" val="1031512226"/>
+      </p:ext>
+    </p:extLst>
+  </p:cSld>
+  <p:clrMapOvr>
+    <a:masterClrMapping/>
+  </p:clrMapOvr>
+</p:sld>
+</file>
+
+<file path=ppt/slides/slide13.xml><?xml version="1.0" encoding="utf-8"?>
+<p:sld xmlns:a="http://schemas.openxmlformats.org/drawingml/2006/main" xmlns:r="http://schemas.openxmlformats.org/officeDocument/2006/relationships" xmlns:p="http://schemas.openxmlformats.org/presentationml/2006/main">
+  <p:cSld>
+    <p:spTree>
+      <p:nvGrpSpPr>
+        <p:cNvPr id="1" name=""/>
+        <p:cNvGrpSpPr/>
+        <p:nvPr/>
+      </p:nvGrpSpPr>
+      <p:grpSpPr>
+        <a:xfrm>
+          <a:off x="0" y="0"/>
+          <a:ext cx="0" cy="0"/>
+          <a:chOff x="0" y="0"/>
+          <a:chExt cx="0" cy="0"/>
+        </a:xfrm>
+      </p:grpSpPr>
+      <p:sp>
+        <p:nvSpPr>
+          <p:cNvPr id="2" name="Titre 1">
+            <a:extLst>
+              <a:ext uri="{FF2B5EF4-FFF2-40B4-BE49-F238E27FC236}">
+                <a16:creationId xmlns:a16="http://schemas.microsoft.com/office/drawing/2014/main" id="{90162AE8-C1B0-5C56-8313-DEE494F38273}"/>
+              </a:ext>
+            </a:extLst>
+          </p:cNvPr>
+          <p:cNvSpPr>
+            <a:spLocks noGrp="1"/>
+          </p:cNvSpPr>
+          <p:nvPr>
+            <p:ph type="title"/>
+          </p:nvPr>
+        </p:nvSpPr>
+        <p:spPr/>
+        <p:txBody>
+          <a:bodyPr/>
+          <a:lstStyle/>
+          <a:p>
+            <a:r>
+              <a:rPr lang="fr-FR" dirty="0"/>
+              <a:t>M4 – Gabarit</a:t>
+            </a:r>
+          </a:p>
+        </p:txBody>
+      </p:sp>
+      <p:pic>
+        <p:nvPicPr>
+          <p:cNvPr id="5" name="Image 4" descr="Une image contenant texte&#10;&#10;Description générée automatiquement">
+            <a:extLst>
+              <a:ext uri="{FF2B5EF4-FFF2-40B4-BE49-F238E27FC236}">
+                <a16:creationId xmlns:a16="http://schemas.microsoft.com/office/drawing/2014/main" id="{204ADC40-1D61-539F-22ED-6B21D67FBDE6}"/>
+              </a:ext>
+            </a:extLst>
+          </p:cNvPr>
+          <p:cNvPicPr>
+            <a:picLocks noChangeAspect="1"/>
+          </p:cNvPicPr>
+          <p:nvPr/>
+        </p:nvPicPr>
+        <p:blipFill>
+          <a:blip r:embed="rId3" cstate="print">
+            <a:extLst>
+              <a:ext uri="{28A0092B-C50C-407E-A947-70E740481C1C}">
+                <a14:useLocalDpi xmlns:a14="http://schemas.microsoft.com/office/drawing/2010/main" val="0"/>
+              </a:ext>
+            </a:extLst>
+          </a:blip>
+          <a:stretch>
+            <a:fillRect/>
+          </a:stretch>
+        </p:blipFill>
+        <p:spPr>
+          <a:xfrm>
+            <a:off x="202922" y="5934456"/>
+            <a:ext cx="1825291" cy="749808"/>
+          </a:xfrm>
+          <a:prstGeom prst="rect">
+            <a:avLst/>
+          </a:prstGeom>
+        </p:spPr>
+      </p:pic>
+      <p:sp>
+        <p:nvSpPr>
+          <p:cNvPr id="7" name="Espace réservé du contenu 6">
+            <a:extLst>
+              <a:ext uri="{FF2B5EF4-FFF2-40B4-BE49-F238E27FC236}">
+                <a16:creationId xmlns:a16="http://schemas.microsoft.com/office/drawing/2014/main" id="{74BC1505-3936-808A-3CEC-841FD2413D6F}"/>
+              </a:ext>
+            </a:extLst>
+          </p:cNvPr>
+          <p:cNvSpPr>
+            <a:spLocks noGrp="1"/>
+          </p:cNvSpPr>
+          <p:nvPr>
+            <p:ph sz="half" idx="1"/>
+          </p:nvPr>
+        </p:nvSpPr>
+        <p:spPr>
+          <a:xfrm>
+            <a:off x="1115567" y="2478024"/>
+            <a:ext cx="6791303" cy="3694176"/>
+          </a:xfrm>
+        </p:spPr>
+        <p:txBody>
+          <a:bodyPr/>
+          <a:lstStyle/>
+          <a:p>
+            <a:r>
+              <a:rPr lang="fr-FR" dirty="0"/>
+              <a:t>MAX296</a:t>
+            </a:r>
+          </a:p>
+        </p:txBody>
+      </p:sp>
+    </p:spTree>
+    <p:extLst>
+      <p:ext uri="{BB962C8B-B14F-4D97-AF65-F5344CB8AC3E}">
+        <p14:creationId xmlns:p14="http://schemas.microsoft.com/office/powerpoint/2010/main" val="3245065014"/>
+      </p:ext>
+    </p:extLst>
+  </p:cSld>
+  <p:clrMapOvr>
+    <a:masterClrMapping/>
+  </p:clrMapOvr>
+</p:sld>
+</file>
+
 <file path=ppt/slides/slide2.xml><?xml version="1.0" encoding="utf-8"?>
 <p:sld xmlns:a="http://schemas.openxmlformats.org/drawingml/2006/main" xmlns:r="http://schemas.openxmlformats.org/officeDocument/2006/relationships" xmlns:p="http://schemas.openxmlformats.org/presentationml/2006/main">
   <p:cSld>
@@ -7886,7 +8682,7 @@
           <a:p>
             <a:r>
               <a:rPr lang="fr-FR" dirty="0"/>
-              <a:t>M3 – Filtrage à capacité commutée</a:t>
+              <a:t>M2 – Filtrage Actif – Ordre 2</a:t>
             </a:r>
           </a:p>
         </p:txBody>
@@ -7950,7 +8746,7 @@
           <a:p>
             <a:r>
               <a:rPr lang="fr-FR" dirty="0"/>
-              <a:t>Capacité commutée</a:t>
+              <a:t>UAF42</a:t>
             </a:r>
           </a:p>
         </p:txBody>
@@ -7960,7 +8756,7 @@
           <p:cNvPr id="4" name="Image 3">
             <a:extLst>
               <a:ext uri="{FF2B5EF4-FFF2-40B4-BE49-F238E27FC236}">
-                <a16:creationId xmlns:a16="http://schemas.microsoft.com/office/drawing/2014/main" id="{8020C9EA-0CA6-82F5-467F-873773B6F815}"/>
+                <a16:creationId xmlns:a16="http://schemas.microsoft.com/office/drawing/2014/main" id="{C8E7958A-AAED-DB88-818A-ACA1CCF80B2E}"/>
               </a:ext>
             </a:extLst>
           </p:cNvPr>
@@ -7977,8 +8773,8 @@
         </p:blipFill>
         <p:spPr>
           <a:xfrm>
-            <a:off x="3224219" y="3429000"/>
-            <a:ext cx="8477628" cy="3127418"/>
+            <a:off x="3011681" y="2593298"/>
+            <a:ext cx="8977398" cy="4090966"/>
           </a:xfrm>
           <a:prstGeom prst="rect">
             <a:avLst/>
@@ -7988,7 +8784,7 @@
     </p:spTree>
     <p:extLst>
       <p:ext uri="{BB962C8B-B14F-4D97-AF65-F5344CB8AC3E}">
-        <p14:creationId xmlns:p14="http://schemas.microsoft.com/office/powerpoint/2010/main" val="1685859223"/>
+        <p14:creationId xmlns:p14="http://schemas.microsoft.com/office/powerpoint/2010/main" val="3819676185"/>
       </p:ext>
     </p:extLst>
   </p:cSld>
@@ -8015,6 +8811,36 @@
           <a:chExt cx="0" cy="0"/>
         </a:xfrm>
       </p:grpSpPr>
+      <p:pic>
+        <p:nvPicPr>
+          <p:cNvPr id="6" name="Image 5">
+            <a:extLst>
+              <a:ext uri="{FF2B5EF4-FFF2-40B4-BE49-F238E27FC236}">
+                <a16:creationId xmlns:a16="http://schemas.microsoft.com/office/drawing/2014/main" id="{DCE365C1-D967-B59F-5994-0629307B96B1}"/>
+              </a:ext>
+            </a:extLst>
+          </p:cNvPr>
+          <p:cNvPicPr>
+            <a:picLocks noChangeAspect="1"/>
+          </p:cNvPicPr>
+          <p:nvPr/>
+        </p:nvPicPr>
+        <p:blipFill>
+          <a:blip r:embed="rId2"/>
+          <a:stretch>
+            <a:fillRect/>
+          </a:stretch>
+        </p:blipFill>
+        <p:spPr>
+          <a:xfrm>
+            <a:off x="4422097" y="2282671"/>
+            <a:ext cx="7320041" cy="4401593"/>
+          </a:xfrm>
+          <a:prstGeom prst="rect">
+            <a:avLst/>
+          </a:prstGeom>
+        </p:spPr>
+      </p:pic>
       <p:sp>
         <p:nvSpPr>
           <p:cNvPr id="2" name="Titre 1">
@@ -8038,7 +8864,129 @@
           <a:p>
             <a:r>
               <a:rPr lang="fr-FR" dirty="0"/>
-              <a:t>M3 – Filtrage à capacité commutée</a:t>
+              <a:t>M2 – Filtrage Actif – Ordre 2</a:t>
+            </a:r>
+          </a:p>
+        </p:txBody>
+      </p:sp>
+      <p:pic>
+        <p:nvPicPr>
+          <p:cNvPr id="5" name="Image 4" descr="Une image contenant texte&#10;&#10;Description générée automatiquement">
+            <a:extLst>
+              <a:ext uri="{FF2B5EF4-FFF2-40B4-BE49-F238E27FC236}">
+                <a16:creationId xmlns:a16="http://schemas.microsoft.com/office/drawing/2014/main" id="{204ADC40-1D61-539F-22ED-6B21D67FBDE6}"/>
+              </a:ext>
+            </a:extLst>
+          </p:cNvPr>
+          <p:cNvPicPr>
+            <a:picLocks noChangeAspect="1"/>
+          </p:cNvPicPr>
+          <p:nvPr/>
+        </p:nvPicPr>
+        <p:blipFill>
+          <a:blip r:embed="rId3" cstate="print">
+            <a:extLst>
+              <a:ext uri="{28A0092B-C50C-407E-A947-70E740481C1C}">
+                <a14:useLocalDpi xmlns:a14="http://schemas.microsoft.com/office/drawing/2010/main" val="0"/>
+              </a:ext>
+            </a:extLst>
+          </a:blip>
+          <a:stretch>
+            <a:fillRect/>
+          </a:stretch>
+        </p:blipFill>
+        <p:spPr>
+          <a:xfrm>
+            <a:off x="202922" y="5934456"/>
+            <a:ext cx="1825291" cy="749808"/>
+          </a:xfrm>
+          <a:prstGeom prst="rect">
+            <a:avLst/>
+          </a:prstGeom>
+        </p:spPr>
+      </p:pic>
+      <p:sp>
+        <p:nvSpPr>
+          <p:cNvPr id="7" name="Espace réservé du contenu 6">
+            <a:extLst>
+              <a:ext uri="{FF2B5EF4-FFF2-40B4-BE49-F238E27FC236}">
+                <a16:creationId xmlns:a16="http://schemas.microsoft.com/office/drawing/2014/main" id="{74BC1505-3936-808A-3CEC-841FD2413D6F}"/>
+              </a:ext>
+            </a:extLst>
+          </p:cNvPr>
+          <p:cNvSpPr>
+            <a:spLocks noGrp="1"/>
+          </p:cNvSpPr>
+          <p:nvPr>
+            <p:ph sz="half" idx="1"/>
+          </p:nvPr>
+        </p:nvSpPr>
+        <p:spPr/>
+        <p:txBody>
+          <a:bodyPr/>
+          <a:lstStyle/>
+          <a:p>
+            <a:r>
+              <a:rPr lang="fr-FR" dirty="0"/>
+              <a:t>UAF42 / Application</a:t>
+            </a:r>
+          </a:p>
+        </p:txBody>
+      </p:sp>
+    </p:spTree>
+    <p:extLst>
+      <p:ext uri="{BB962C8B-B14F-4D97-AF65-F5344CB8AC3E}">
+        <p14:creationId xmlns:p14="http://schemas.microsoft.com/office/powerpoint/2010/main" val="131101797"/>
+      </p:ext>
+    </p:extLst>
+  </p:cSld>
+  <p:clrMapOvr>
+    <a:masterClrMapping/>
+  </p:clrMapOvr>
+</p:sld>
+</file>
+
+<file path=ppt/slides/slide9.xml><?xml version="1.0" encoding="utf-8"?>
+<p:sld xmlns:a="http://schemas.openxmlformats.org/drawingml/2006/main" xmlns:r="http://schemas.openxmlformats.org/officeDocument/2006/relationships" xmlns:p="http://schemas.openxmlformats.org/presentationml/2006/main">
+  <p:cSld>
+    <p:spTree>
+      <p:nvGrpSpPr>
+        <p:cNvPr id="1" name=""/>
+        <p:cNvGrpSpPr/>
+        <p:nvPr/>
+      </p:nvGrpSpPr>
+      <p:grpSpPr>
+        <a:xfrm>
+          <a:off x="0" y="0"/>
+          <a:ext cx="0" cy="0"/>
+          <a:chOff x="0" y="0"/>
+          <a:chExt cx="0" cy="0"/>
+        </a:xfrm>
+      </p:grpSpPr>
+      <p:sp>
+        <p:nvSpPr>
+          <p:cNvPr id="2" name="Titre 1">
+            <a:extLst>
+              <a:ext uri="{FF2B5EF4-FFF2-40B4-BE49-F238E27FC236}">
+                <a16:creationId xmlns:a16="http://schemas.microsoft.com/office/drawing/2014/main" id="{90162AE8-C1B0-5C56-8313-DEE494F38273}"/>
+              </a:ext>
+            </a:extLst>
+          </p:cNvPr>
+          <p:cNvSpPr>
+            <a:spLocks noGrp="1"/>
+          </p:cNvSpPr>
+          <p:nvPr>
+            <p:ph type="title"/>
+          </p:nvPr>
+        </p:nvSpPr>
+        <p:spPr/>
+        <p:txBody>
+          <a:bodyPr/>
+          <a:lstStyle/>
+          <a:p>
+            <a:r>
+              <a:rPr lang="fr-FR" dirty="0"/>
+              <a:t>M2 – Filtrage Actif – Ordre 2</a:t>
             </a:r>
           </a:p>
         </p:txBody>
@@ -8095,29 +9043,24 @@
             <p:ph sz="half" idx="1"/>
           </p:nvPr>
         </p:nvSpPr>
-        <p:spPr>
-          <a:xfrm>
-            <a:off x="1115567" y="2478024"/>
-            <a:ext cx="6791303" cy="3694176"/>
-          </a:xfrm>
-        </p:spPr>
+        <p:spPr/>
         <p:txBody>
           <a:bodyPr/>
           <a:lstStyle/>
           <a:p>
             <a:r>
               <a:rPr lang="fr-FR" dirty="0"/>
-              <a:t>Intégrateur à capacité commutée</a:t>
+              <a:t>UAF42 / Application</a:t>
             </a:r>
           </a:p>
         </p:txBody>
       </p:sp>
       <p:pic>
         <p:nvPicPr>
-          <p:cNvPr id="6" name="Image 5">
-            <a:extLst>
-              <a:ext uri="{FF2B5EF4-FFF2-40B4-BE49-F238E27FC236}">
-                <a16:creationId xmlns:a16="http://schemas.microsoft.com/office/drawing/2014/main" id="{0903FA4F-78A9-983F-B053-6700677CB870}"/>
+          <p:cNvPr id="9" name="Image 8">
+            <a:extLst>
+              <a:ext uri="{FF2B5EF4-FFF2-40B4-BE49-F238E27FC236}">
+                <a16:creationId xmlns:a16="http://schemas.microsoft.com/office/drawing/2014/main" id="{4FAD4C16-22B5-7166-1D30-794656C39726}"/>
               </a:ext>
             </a:extLst>
           </p:cNvPr>
@@ -8134,8 +9077,38 @@
         </p:blipFill>
         <p:spPr>
           <a:xfrm>
-            <a:off x="4203765" y="3750089"/>
-            <a:ext cx="6346236" cy="2401672"/>
+            <a:off x="2464043" y="3247925"/>
+            <a:ext cx="6793454" cy="3436339"/>
+          </a:xfrm>
+          <a:prstGeom prst="rect">
+            <a:avLst/>
+          </a:prstGeom>
+        </p:spPr>
+      </p:pic>
+      <p:pic>
+        <p:nvPicPr>
+          <p:cNvPr id="6" name="Image 5">
+            <a:extLst>
+              <a:ext uri="{FF2B5EF4-FFF2-40B4-BE49-F238E27FC236}">
+                <a16:creationId xmlns:a16="http://schemas.microsoft.com/office/drawing/2014/main" id="{DCE365C1-D967-B59F-5994-0629307B96B1}"/>
+              </a:ext>
+            </a:extLst>
+          </p:cNvPr>
+          <p:cNvPicPr>
+            <a:picLocks noChangeAspect="1"/>
+          </p:cNvPicPr>
+          <p:nvPr/>
+        </p:nvPicPr>
+        <p:blipFill>
+          <a:blip r:embed="rId4"/>
+          <a:stretch>
+            <a:fillRect/>
+          </a:stretch>
+        </p:blipFill>
+        <p:spPr>
+          <a:xfrm>
+            <a:off x="8814216" y="2304539"/>
+            <a:ext cx="3137783" cy="1886772"/>
           </a:xfrm>
           <a:prstGeom prst="rect">
             <a:avLst/>
@@ -8145,7 +9118,7 @@
     </p:spTree>
     <p:extLst>
       <p:ext uri="{BB962C8B-B14F-4D97-AF65-F5344CB8AC3E}">
-        <p14:creationId xmlns:p14="http://schemas.microsoft.com/office/powerpoint/2010/main" val="4039742525"/>
+        <p14:creationId xmlns:p14="http://schemas.microsoft.com/office/powerpoint/2010/main" val="1289514761"/>
       </p:ext>
     </p:extLst>
   </p:cSld>

--- a/CeTI/b2_filtrage/B1_2_filtrage.pptx
+++ b/CeTI/b2_filtrage/B1_2_filtrage.pptx
@@ -220,7 +220,7 @@
           <a:p>
             <a:fld id="{729C724E-499D-43AC-8699-CF969D2466FC}" type="datetimeFigureOut">
               <a:rPr lang="fr-FR" smtClean="0"/>
-              <a:t>06/10/2023</a:t>
+              <a:t>13/10/2023</a:t>
             </a:fld>
             <a:endParaRPr lang="fr-FR"/>
           </a:p>
@@ -895,7 +895,7 @@
           <a:p>
             <a:fld id="{02AC24A9-CCB6-4F8D-B8DB-C2F3692CFA5A}" type="datetimeFigureOut">
               <a:rPr lang="en-US" smtClean="0"/>
-              <a:t>10/6/2023</a:t>
+              <a:t>10/13/2023</a:t>
             </a:fld>
             <a:endParaRPr lang="en-US" dirty="0"/>
           </a:p>
@@ -1265,7 +1265,7 @@
           <a:p>
             <a:fld id="{02AC24A9-CCB6-4F8D-B8DB-C2F3692CFA5A}" type="datetimeFigureOut">
               <a:rPr lang="en-US" smtClean="0"/>
-              <a:t>10/6/2023</a:t>
+              <a:t>10/13/2023</a:t>
             </a:fld>
             <a:endParaRPr lang="en-US"/>
           </a:p>
@@ -1474,7 +1474,7 @@
           <a:p>
             <a:fld id="{02AC24A9-CCB6-4F8D-B8DB-C2F3692CFA5A}" type="datetimeFigureOut">
               <a:rPr lang="en-US" smtClean="0"/>
-              <a:t>10/6/2023</a:t>
+              <a:t>10/13/2023</a:t>
             </a:fld>
             <a:endParaRPr lang="en-US"/>
           </a:p>
@@ -1944,7 +1944,7 @@
           <a:p>
             <a:fld id="{02AC24A9-CCB6-4F8D-B8DB-C2F3692CFA5A}" type="datetimeFigureOut">
               <a:rPr lang="en-US" smtClean="0"/>
-              <a:t>10/6/2023</a:t>
+              <a:t>10/13/2023</a:t>
             </a:fld>
             <a:endParaRPr lang="en-US"/>
           </a:p>
@@ -2398,7 +2398,7 @@
           <a:p>
             <a:fld id="{02AC24A9-CCB6-4F8D-B8DB-C2F3692CFA5A}" type="datetimeFigureOut">
               <a:rPr lang="en-US" smtClean="0"/>
-              <a:t>10/6/2023</a:t>
+              <a:t>10/13/2023</a:t>
             </a:fld>
             <a:endParaRPr lang="en-US"/>
           </a:p>
@@ -2930,7 +2930,7 @@
           <a:p>
             <a:fld id="{02AC24A9-CCB6-4F8D-B8DB-C2F3692CFA5A}" type="datetimeFigureOut">
               <a:rPr lang="en-US" smtClean="0"/>
-              <a:t>10/6/2023</a:t>
+              <a:t>10/13/2023</a:t>
             </a:fld>
             <a:endParaRPr lang="en-US"/>
           </a:p>
@@ -3629,7 +3629,7 @@
           <a:p>
             <a:fld id="{02AC24A9-CCB6-4F8D-B8DB-C2F3692CFA5A}" type="datetimeFigureOut">
               <a:rPr lang="en-US" smtClean="0"/>
-              <a:t>10/6/2023</a:t>
+              <a:t>10/13/2023</a:t>
             </a:fld>
             <a:endParaRPr lang="en-US"/>
           </a:p>
@@ -3958,7 +3958,7 @@
           <a:p>
             <a:fld id="{02AC24A9-CCB6-4F8D-B8DB-C2F3692CFA5A}" type="datetimeFigureOut">
               <a:rPr lang="en-US" smtClean="0"/>
-              <a:t>10/6/2023</a:t>
+              <a:t>10/13/2023</a:t>
             </a:fld>
             <a:endParaRPr lang="en-US"/>
           </a:p>
@@ -4071,7 +4071,7 @@
           <a:p>
             <a:fld id="{02AC24A9-CCB6-4F8D-B8DB-C2F3692CFA5A}" type="datetimeFigureOut">
               <a:rPr lang="en-US" smtClean="0"/>
-              <a:t>10/6/2023</a:t>
+              <a:t>10/13/2023</a:t>
             </a:fld>
             <a:endParaRPr lang="en-US"/>
           </a:p>
@@ -4566,7 +4566,7 @@
           <a:p>
             <a:fld id="{02AC24A9-CCB6-4F8D-B8DB-C2F3692CFA5A}" type="datetimeFigureOut">
               <a:rPr lang="en-US" smtClean="0"/>
-              <a:t>10/6/2023</a:t>
+              <a:t>10/13/2023</a:t>
             </a:fld>
             <a:endParaRPr lang="en-US" dirty="0"/>
           </a:p>
@@ -5043,7 +5043,7 @@
           <a:p>
             <a:fld id="{02AC24A9-CCB6-4F8D-B8DB-C2F3692CFA5A}" type="datetimeFigureOut">
               <a:rPr lang="en-US" smtClean="0"/>
-              <a:t>10/6/2023</a:t>
+              <a:t>10/13/2023</a:t>
             </a:fld>
             <a:endParaRPr lang="en-US"/>
           </a:p>
@@ -5286,7 +5286,7 @@
           <a:p>
             <a:fld id="{02AC24A9-CCB6-4F8D-B8DB-C2F3692CFA5A}" type="datetimeFigureOut">
               <a:rPr lang="en-US" smtClean="0"/>
-              <a:t>10/6/2023</a:t>
+              <a:t>10/13/2023</a:t>
             </a:fld>
             <a:endParaRPr lang="en-US"/>
           </a:p>
@@ -6783,39 +6783,36 @@
           </a:prstGeom>
         </p:spPr>
       </p:pic>
-      <p:sp>
-        <p:nvSpPr>
-          <p:cNvPr id="7" name="Espace réservé du contenu 6">
-            <a:extLst>
-              <a:ext uri="{FF2B5EF4-FFF2-40B4-BE49-F238E27FC236}">
-                <a16:creationId xmlns:a16="http://schemas.microsoft.com/office/drawing/2014/main" id="{74BC1505-3936-808A-3CEC-841FD2413D6F}"/>
-              </a:ext>
-            </a:extLst>
-          </p:cNvPr>
-          <p:cNvSpPr>
-            <a:spLocks noGrp="1"/>
-          </p:cNvSpPr>
-          <p:nvPr>
-            <p:ph sz="half" idx="1"/>
-          </p:nvPr>
-        </p:nvSpPr>
-        <p:spPr>
-          <a:xfrm>
-            <a:off x="1115567" y="2478024"/>
-            <a:ext cx="6791303" cy="3694176"/>
-          </a:xfrm>
-        </p:spPr>
-        <p:txBody>
-          <a:bodyPr/>
-          <a:lstStyle/>
-          <a:p>
-            <a:r>
-              <a:rPr lang="fr-FR" dirty="0"/>
-              <a:t>MAX296</a:t>
-            </a:r>
-          </a:p>
-        </p:txBody>
-      </p:sp>
+      <p:pic>
+        <p:nvPicPr>
+          <p:cNvPr id="8" name="Image 7">
+            <a:extLst>
+              <a:ext uri="{FF2B5EF4-FFF2-40B4-BE49-F238E27FC236}">
+                <a16:creationId xmlns:a16="http://schemas.microsoft.com/office/drawing/2014/main" id="{F0FA968E-87AA-98A2-A3C1-4744929F1844}"/>
+              </a:ext>
+            </a:extLst>
+          </p:cNvPr>
+          <p:cNvPicPr>
+            <a:picLocks noChangeAspect="1"/>
+          </p:cNvPicPr>
+          <p:nvPr/>
+        </p:nvPicPr>
+        <p:blipFill>
+          <a:blip r:embed="rId4"/>
+          <a:stretch>
+            <a:fillRect/>
+          </a:stretch>
+        </p:blipFill>
+        <p:spPr>
+          <a:xfrm>
+            <a:off x="2951501" y="2609507"/>
+            <a:ext cx="6771657" cy="3340533"/>
+          </a:xfrm>
+          <a:prstGeom prst="rect">
+            <a:avLst/>
+          </a:prstGeom>
+        </p:spPr>
+      </p:pic>
     </p:spTree>
     <p:extLst>
       <p:ext uri="{BB962C8B-B14F-4D97-AF65-F5344CB8AC3E}">
